--- a/docs/ASP.NET MVC.pptx
+++ b/docs/ASP.NET MVC.pptx
@@ -755,7 +755,7 @@
             <a:fld id="{22B35730-BCF4-4396-B8B9-CDCD4DB8B04E}" type="datetimeFigureOut">
               <a:rPr lang="bg-BG" smtClean="0"/>
               <a:pPr/>
-              <a:t>27.4.2016 г.</a:t>
+              <a:t>28.4.2016 г.</a:t>
             </a:fld>
             <a:endParaRPr lang="bg-BG"/>
           </a:p>
@@ -953,7 +953,7 @@
             <a:fld id="{22B35730-BCF4-4396-B8B9-CDCD4DB8B04E}" type="datetimeFigureOut">
               <a:rPr lang="bg-BG" smtClean="0"/>
               <a:pPr/>
-              <a:t>27.4.2016 г.</a:t>
+              <a:t>28.4.2016 г.</a:t>
             </a:fld>
             <a:endParaRPr lang="bg-BG"/>
           </a:p>
@@ -1140,7 +1140,7 @@
             <a:fld id="{22B35730-BCF4-4396-B8B9-CDCD4DB8B04E}" type="datetimeFigureOut">
               <a:rPr lang="bg-BG" smtClean="0"/>
               <a:pPr/>
-              <a:t>27.4.2016 г.</a:t>
+              <a:t>28.4.2016 г.</a:t>
             </a:fld>
             <a:endParaRPr lang="bg-BG"/>
           </a:p>
@@ -1292,7 +1292,7 @@
             <a:fld id="{22B35730-BCF4-4396-B8B9-CDCD4DB8B04E}" type="datetimeFigureOut">
               <a:rPr lang="bg-BG" smtClean="0"/>
               <a:pPr/>
-              <a:t>27.4.2016 г.</a:t>
+              <a:t>28.4.2016 г.</a:t>
             </a:fld>
             <a:endParaRPr lang="bg-BG"/>
           </a:p>
@@ -1549,7 +1549,7 @@
             <a:fld id="{22B35730-BCF4-4396-B8B9-CDCD4DB8B04E}" type="datetimeFigureOut">
               <a:rPr lang="bg-BG" smtClean="0"/>
               <a:pPr/>
-              <a:t>27.4.2016 г.</a:t>
+              <a:t>28.4.2016 г.</a:t>
             </a:fld>
             <a:endParaRPr lang="bg-BG"/>
           </a:p>
@@ -1960,7 +1960,7 @@
             <a:fld id="{22B35730-BCF4-4396-B8B9-CDCD4DB8B04E}" type="datetimeFigureOut">
               <a:rPr lang="bg-BG" smtClean="0"/>
               <a:pPr/>
-              <a:t>27.4.2016 г.</a:t>
+              <a:t>28.4.2016 г.</a:t>
             </a:fld>
             <a:endParaRPr lang="bg-BG"/>
           </a:p>
@@ -2408,7 +2408,7 @@
             <a:fld id="{22B35730-BCF4-4396-B8B9-CDCD4DB8B04E}" type="datetimeFigureOut">
               <a:rPr lang="bg-BG" smtClean="0"/>
               <a:pPr/>
-              <a:t>27.4.2016 г.</a:t>
+              <a:t>28.4.2016 г.</a:t>
             </a:fld>
             <a:endParaRPr lang="bg-BG"/>
           </a:p>
@@ -2511,7 +2511,7 @@
             <a:fld id="{22B35730-BCF4-4396-B8B9-CDCD4DB8B04E}" type="datetimeFigureOut">
               <a:rPr lang="bg-BG" smtClean="0"/>
               <a:pPr/>
-              <a:t>27.4.2016 г.</a:t>
+              <a:t>28.4.2016 г.</a:t>
             </a:fld>
             <a:endParaRPr lang="bg-BG"/>
           </a:p>
@@ -2634,7 +2634,7 @@
             <a:fld id="{22B35730-BCF4-4396-B8B9-CDCD4DB8B04E}" type="datetimeFigureOut">
               <a:rPr lang="bg-BG" smtClean="0"/>
               <a:pPr/>
-              <a:t>27.4.2016 г.</a:t>
+              <a:t>28.4.2016 г.</a:t>
             </a:fld>
             <a:endParaRPr lang="bg-BG"/>
           </a:p>
@@ -2910,7 +2910,7 @@
             <a:fld id="{22B35730-BCF4-4396-B8B9-CDCD4DB8B04E}" type="datetimeFigureOut">
               <a:rPr lang="bg-BG" smtClean="0"/>
               <a:pPr/>
-              <a:t>27.4.2016 г.</a:t>
+              <a:t>28.4.2016 г.</a:t>
             </a:fld>
             <a:endParaRPr lang="bg-BG"/>
           </a:p>
@@ -3117,7 +3117,7 @@
             <a:fld id="{22B35730-BCF4-4396-B8B9-CDCD4DB8B04E}" type="datetimeFigureOut">
               <a:rPr lang="bg-BG" smtClean="0"/>
               <a:pPr/>
-              <a:t>27.4.2016 г.</a:t>
+              <a:t>28.4.2016 г.</a:t>
             </a:fld>
             <a:endParaRPr lang="bg-BG"/>
           </a:p>
@@ -4228,7 +4228,7 @@
             <a:fld id="{22B35730-BCF4-4396-B8B9-CDCD4DB8B04E}" type="datetimeFigureOut">
               <a:rPr lang="bg-BG" smtClean="0"/>
               <a:pPr/>
-              <a:t>27.4.2016 г.</a:t>
+              <a:t>28.4.2016 г.</a:t>
             </a:fld>
             <a:endParaRPr lang="bg-BG"/>
           </a:p>
@@ -5138,19 +5138,7 @@
                 </a:highlight>
                 <a:latin typeface="Consolas"/>
               </a:rPr>
-              <a:t>Моля въведете парола</a:t>
-            </a:r>
-            <a:r>
-              <a:rPr lang="bg-BG" sz="1400" dirty="0" smtClean="0">
-                <a:solidFill>
-                  <a:srgbClr val="A31515"/>
-                </a:solidFill>
-                <a:highlight>
-                  <a:srgbClr val="FFFFFF"/>
-                </a:highlight>
-                <a:latin typeface="Consolas"/>
-              </a:rPr>
-              <a:t>"</a:t>
+              <a:t>Моля въведете парола"</a:t>
             </a:r>
             <a:r>
               <a:rPr lang="bg-BG" sz="1400" dirty="0" smtClean="0">
@@ -7426,19 +7414,7 @@
                 </a:highlight>
                 <a:latin typeface="Consolas"/>
               </a:rPr>
-              <a:t>  </a:t>
-            </a:r>
-            <a:r>
-              <a:rPr lang="en-US" sz="1100" dirty="0" smtClean="0">
-                <a:solidFill>
-                  <a:srgbClr val="000000"/>
-                </a:solidFill>
-                <a:highlight>
-                  <a:srgbClr val="FFFFFF"/>
-                </a:highlight>
-                <a:latin typeface="Consolas"/>
-              </a:rPr>
-              <a:t>      </a:t>
+              <a:t>        </a:t>
             </a:r>
             <a:r>
               <a:rPr lang="en-US" sz="1100" dirty="0" smtClean="0">
@@ -8298,19 +8274,7 @@
                 </a:highlight>
                 <a:latin typeface="Consolas"/>
               </a:rPr>
-              <a:t>// GET: /</a:t>
-            </a:r>
-            <a:r>
-              <a:rPr lang="en-US" sz="1400" dirty="0" smtClean="0">
-                <a:solidFill>
-                  <a:srgbClr val="008000"/>
-                </a:solidFill>
-                <a:highlight>
-                  <a:srgbClr val="FFFFFF"/>
-                </a:highlight>
-                <a:latin typeface="Consolas"/>
-              </a:rPr>
-              <a:t>User/Register</a:t>
+              <a:t>// GET: /User/Register</a:t>
             </a:r>
             <a:endParaRPr lang="en-US" sz="1400" dirty="0" smtClean="0">
               <a:solidFill>
@@ -8519,19 +8483,7 @@
                 </a:highlight>
                 <a:latin typeface="Consolas"/>
               </a:rPr>
-              <a:t>// POST: /</a:t>
-            </a:r>
-            <a:r>
-              <a:rPr lang="en-US" sz="1400" dirty="0" smtClean="0">
-                <a:solidFill>
-                  <a:srgbClr val="008000"/>
-                </a:solidFill>
-                <a:highlight>
-                  <a:srgbClr val="FFFFFF"/>
-                </a:highlight>
-                <a:latin typeface="Consolas"/>
-              </a:rPr>
-              <a:t>User/Register</a:t>
+              <a:t>// POST: /User/Register</a:t>
             </a:r>
             <a:endParaRPr lang="en-US" sz="1400" dirty="0" smtClean="0">
               <a:solidFill>
@@ -9156,33 +9108,21 @@
             <a:pPr lvl="1"/>
             <a:r>
               <a:rPr lang="bg-BG" dirty="0" smtClean="0"/>
-              <a:t>Превод към друга </a:t>
-            </a:r>
+              <a:t>Превод към друга сметка</a:t>
+            </a:r>
+          </a:p>
+          <a:p>
+            <a:pPr lvl="1"/>
             <a:r>
               <a:rPr lang="bg-BG" dirty="0" smtClean="0"/>
-              <a:t>сметка</a:t>
+              <a:t>Депозит по сметка</a:t>
             </a:r>
           </a:p>
           <a:p>
             <a:pPr lvl="1"/>
             <a:r>
               <a:rPr lang="bg-BG" dirty="0" smtClean="0"/>
-              <a:t>Депозит по </a:t>
-            </a:r>
-            <a:r>
-              <a:rPr lang="bg-BG" dirty="0" smtClean="0"/>
-              <a:t>сметка</a:t>
-            </a:r>
-          </a:p>
-          <a:p>
-            <a:pPr lvl="1"/>
-            <a:r>
-              <a:rPr lang="bg-BG" dirty="0" smtClean="0"/>
-              <a:t>Теглене от </a:t>
-            </a:r>
-            <a:r>
-              <a:rPr lang="bg-BG" dirty="0" smtClean="0"/>
-              <a:t>сметка</a:t>
+              <a:t>Теглене от сметка</a:t>
             </a:r>
           </a:p>
           <a:p>
@@ -9427,19 +9367,7 @@
                 </a:highlight>
                 <a:latin typeface="Consolas"/>
               </a:rPr>
-              <a:t>(username</a:t>
-            </a:r>
-            <a:r>
-              <a:rPr lang="en-US" sz="2000" dirty="0" smtClean="0">
-                <a:solidFill>
-                  <a:srgbClr val="000000"/>
-                </a:solidFill>
-                <a:highlight>
-                  <a:srgbClr val="FFFFFF"/>
-                </a:highlight>
-                <a:latin typeface="Consolas"/>
-              </a:rPr>
-              <a:t>, </a:t>
+              <a:t>(username, </a:t>
             </a:r>
             <a:r>
               <a:rPr lang="en-US" sz="2000" dirty="0" smtClean="0">
@@ -10193,11 +10121,7 @@
             <a:pPr lvl="1" hangingPunct="0"/>
             <a:r>
               <a:rPr lang="bg-BG" dirty="0" smtClean="0"/>
-              <a:t>Наименование </a:t>
-            </a:r>
-            <a:r>
-              <a:rPr lang="bg-BG" dirty="0" smtClean="0"/>
-              <a:t>на сметка </a:t>
+              <a:t>Наименование на сметка </a:t>
             </a:r>
             <a:r>
               <a:rPr lang="bg-BG" i="1" dirty="0" smtClean="0"/>
@@ -10219,15 +10143,7 @@
             <a:pPr lvl="1" hangingPunct="0"/>
             <a:r>
               <a:rPr lang="bg-BG" dirty="0" smtClean="0"/>
-              <a:t>Уникален </a:t>
-            </a:r>
-            <a:r>
-              <a:rPr lang="bg-BG" dirty="0" smtClean="0"/>
-              <a:t>идентификационен номер </a:t>
-            </a:r>
-            <a:r>
-              <a:rPr lang="bg-BG" dirty="0" smtClean="0"/>
-              <a:t>– </a:t>
+              <a:t>Уникален идентификационен номер – </a:t>
             </a:r>
             <a:r>
               <a:rPr lang="en-US" dirty="0" smtClean="0"/>
@@ -10459,11 +10375,7 @@
             <a:pPr hangingPunct="0"/>
             <a:r>
               <a:rPr lang="bg-BG" dirty="0" smtClean="0"/>
-              <a:t>Системата </a:t>
-            </a:r>
-            <a:r>
-              <a:rPr lang="bg-BG" dirty="0" smtClean="0"/>
-              <a:t>автоматично генерира:</a:t>
+              <a:t>Системата автоматично генерира:</a:t>
             </a:r>
           </a:p>
           <a:p>
@@ -10488,17 +10400,12 @@
             </a:r>
             <a:r>
               <a:rPr lang="bg-BG" i="1" dirty="0" smtClean="0"/>
-              <a:t>(напр. "Теглене от сметка ХХХ </a:t>
-            </a:r>
-            <a:r>
-              <a:rPr lang="bg-BG" i="1" dirty="0" smtClean="0"/>
-              <a:t>")</a:t>
+              <a:t>(напр. "Теглене от сметка ХХХ ")</a:t>
             </a:r>
             <a:r>
               <a:rPr lang="bg-BG" dirty="0" smtClean="0"/>
               <a:t>.</a:t>
             </a:r>
-            <a:endParaRPr lang="bg-BG" dirty="0" smtClean="0"/>
           </a:p>
           <a:p>
             <a:pPr lvl="1" hangingPunct="0"/>
@@ -10616,11 +10523,7 @@
             <a:pPr hangingPunct="0"/>
             <a:r>
               <a:rPr lang="bg-BG" dirty="0" smtClean="0"/>
-              <a:t>Системата </a:t>
-            </a:r>
-            <a:r>
-              <a:rPr lang="bg-BG" dirty="0" smtClean="0"/>
-              <a:t>автоматично генерира:</a:t>
+              <a:t>Системата автоматично генерира:</a:t>
             </a:r>
           </a:p>
           <a:p>
@@ -11198,19 +11101,7 @@
                 </a:highlight>
                 <a:latin typeface="Consolas"/>
               </a:rPr>
-              <a:t> </a:t>
-            </a:r>
-            <a:r>
-              <a:rPr lang="en-US" dirty="0" smtClean="0">
-                <a:solidFill>
-                  <a:srgbClr val="0000FF"/>
-                </a:solidFill>
-                <a:highlight>
-                  <a:srgbClr val="FFFFFF"/>
-                </a:highlight>
-                <a:latin typeface="Consolas"/>
-              </a:rPr>
-              <a:t>/&gt;</a:t>
+              <a:t> /&gt;</a:t>
             </a:r>
             <a:endParaRPr lang="en-US" dirty="0" smtClean="0">
               <a:solidFill>
@@ -11401,19 +11292,7 @@
                 </a:highlight>
                 <a:latin typeface="Consolas"/>
               </a:rPr>
-              <a:t> </a:t>
-            </a:r>
-            <a:r>
-              <a:rPr lang="en-US" dirty="0" smtClean="0">
-                <a:solidFill>
-                  <a:srgbClr val="0000FF"/>
-                </a:solidFill>
-                <a:highlight>
-                  <a:srgbClr val="FFFFFF"/>
-                </a:highlight>
-                <a:latin typeface="Consolas"/>
-              </a:rPr>
-              <a:t>/&gt;</a:t>
+              <a:t> /&gt;</a:t>
             </a:r>
             <a:endParaRPr lang="en-US" dirty="0" smtClean="0">
               <a:solidFill>
@@ -11607,7 +11486,12 @@
             <p:ph idx="1"/>
           </p:nvPr>
         </p:nvSpPr>
-        <p:spPr/>
+        <p:spPr>
+          <a:xfrm>
+            <a:off x="467544" y="1484784"/>
+            <a:ext cx="8229600" cy="4525963"/>
+          </a:xfrm>
+        </p:spPr>
         <p:txBody>
           <a:bodyPr/>
           <a:lstStyle/>
@@ -11615,6 +11499,13 @@
             <a:r>
               <a:rPr lang="en-US" dirty="0" err="1" smtClean="0"/>
               <a:t>GitHub</a:t>
+            </a:r>
+            <a:endParaRPr lang="en-US" dirty="0" smtClean="0"/>
+          </a:p>
+          <a:p>
+            <a:r>
+              <a:rPr lang="en-US" dirty="0" smtClean="0"/>
+              <a:t>https://github.com/izhbq412/mvc-demo</a:t>
             </a:r>
             <a:endParaRPr lang="bg-BG" dirty="0"/>
           </a:p>
@@ -12321,19 +12212,7 @@
                 </a:highlight>
                 <a:latin typeface="Consolas"/>
               </a:rPr>
-              <a:t>"&lt;/</a:t>
-            </a:r>
-            <a:r>
-              <a:rPr lang="en-US" dirty="0" smtClean="0">
-                <a:solidFill>
-                  <a:srgbClr val="A31515"/>
-                </a:solidFill>
-                <a:highlight>
-                  <a:srgbClr val="FFFFFF"/>
-                </a:highlight>
-                <a:latin typeface="Consolas"/>
-              </a:rPr>
-              <a:t>head&gt;&lt;body&gt;Hello, world!&lt;/body&gt;&lt;/html&gt;"</a:t>
+              <a:t>"&lt;/head&gt;&lt;body&gt;Hello, world!&lt;/body&gt;&lt;/html&gt;"</a:t>
             </a:r>
             <a:r>
               <a:rPr lang="en-US" dirty="0" smtClean="0">
